--- a/programming bitcoin.pptx
+++ b/programming bitcoin.pptx
@@ -7501,196 +7501,6 @@
             <a:r>
               <a:rPr lang="en-US" altLang="zh-CN" sz="2000" dirty="0"/>
               <a:t>z + re</a:t>
-            </a:r>
-          </a:p>
-        </p:txBody>
-      </p:sp>
-      <p:sp>
-        <p:nvSpPr>
-          <p:cNvPr id="34" name="TextBox 56">
-            <a:extLst>
-              <a:ext uri="{FF2B5EF4-FFF2-40B4-BE49-F238E27FC236}">
-                <a16:creationId xmlns:a16="http://schemas.microsoft.com/office/drawing/2014/main" id="{89A4CB42-BFE5-4042-9CD4-863449888C6A}"/>
-              </a:ext>
-            </a:extLst>
-          </p:cNvPr>
-          <p:cNvSpPr txBox="1"/>
-          <p:nvPr/>
-        </p:nvSpPr>
-        <p:spPr>
-          <a:xfrm>
-            <a:off x="483359" y="4798018"/>
-            <a:ext cx="4721488" cy="1579920"/>
-          </a:xfrm>
-          <a:prstGeom prst="rect">
-            <a:avLst/>
-          </a:prstGeom>
-          <a:noFill/>
-        </p:spPr>
-        <p:txBody>
-          <a:bodyPr wrap="square" rtlCol="0">
-            <a:spAutoFit/>
-          </a:bodyPr>
-          <a:lstStyle/>
-          <a:p>
-            <a:pPr marL="285750" indent="-285750">
-              <a:spcAft>
-                <a:spcPts val="1000"/>
-              </a:spcAft>
-              <a:buFont typeface="Arial" panose="020B0604020202020204" pitchFamily="34" charset="0"/>
-              <a:buChar char="•"/>
-            </a:pPr>
-            <a:r>
-              <a:rPr lang="en-US" altLang="zh-CN" sz="1600" dirty="0"/>
-              <a:t>k</a:t>
-            </a:r>
-            <a:r>
-              <a:rPr lang="zh-CN" altLang="en-US" sz="1600" dirty="0"/>
-              <a:t>是随机数。通过知道</a:t>
-            </a:r>
-            <a:r>
-              <a:rPr lang="en-US" altLang="zh-CN" sz="1600" dirty="0"/>
-              <a:t>P</a:t>
-            </a:r>
-            <a:r>
-              <a:rPr lang="zh-CN" altLang="en-US" sz="1600" dirty="0"/>
-              <a:t>和</a:t>
-            </a:r>
-            <a:r>
-              <a:rPr lang="en-US" altLang="zh-CN" sz="1600" dirty="0"/>
-              <a:t>G,</a:t>
-            </a:r>
-            <a:r>
-              <a:rPr lang="zh-CN" altLang="en-US" sz="1600" dirty="0"/>
-              <a:t> 无法反推出，</a:t>
-            </a:r>
-            <a:endParaRPr lang="en-US" altLang="zh-CN" sz="1600" dirty="0"/>
-          </a:p>
-          <a:p>
-            <a:pPr marL="285750" indent="-285750">
-              <a:spcAft>
-                <a:spcPts val="1000"/>
-              </a:spcAft>
-              <a:buFont typeface="Arial" panose="020B0604020202020204" pitchFamily="34" charset="0"/>
-              <a:buChar char="•"/>
-            </a:pPr>
-            <a:endParaRPr lang="en-US" altLang="zh-CN" sz="1600" dirty="0"/>
-          </a:p>
-          <a:p>
-            <a:pPr marL="285750" indent="-285750">
-              <a:spcAft>
-                <a:spcPts val="1000"/>
-              </a:spcAft>
-              <a:buFont typeface="Arial" panose="020B0604020202020204" pitchFamily="34" charset="0"/>
-              <a:buChar char="•"/>
-            </a:pPr>
-            <a:r>
-              <a:rPr lang="zh-CN" altLang="en-US" sz="1600" dirty="0"/>
-              <a:t>只有当知道</a:t>
-            </a:r>
-            <a:r>
-              <a:rPr lang="en-US" altLang="zh-CN" sz="1600" dirty="0"/>
-              <a:t>e</a:t>
-            </a:r>
-            <a:r>
-              <a:rPr lang="zh-CN" altLang="en-US" sz="1600" dirty="0"/>
-              <a:t>的时候，才能得到正确的（</a:t>
-            </a:r>
-            <a:r>
-              <a:rPr lang="en-US" altLang="zh-CN" sz="1600" dirty="0"/>
-              <a:t>u</a:t>
-            </a:r>
-            <a:r>
-              <a:rPr lang="zh-CN" altLang="en-US" sz="1600" dirty="0"/>
-              <a:t>，</a:t>
-            </a:r>
-            <a:r>
-              <a:rPr lang="en-US" altLang="zh-CN" sz="1600" dirty="0"/>
-              <a:t>v</a:t>
-            </a:r>
-            <a:r>
-              <a:rPr lang="zh-CN" altLang="en-US" sz="1600" dirty="0"/>
-              <a:t>）组合。因此，</a:t>
-            </a:r>
-            <a:r>
-              <a:rPr lang="zh-CN" altLang="en-US" sz="1600" dirty="0">
-                <a:solidFill>
-                  <a:srgbClr val="FF6600"/>
-                </a:solidFill>
-              </a:rPr>
-              <a:t>如果一个人能够给出正确的（</a:t>
-            </a:r>
-            <a:r>
-              <a:rPr lang="en-US" altLang="zh-CN" sz="1600" dirty="0">
-                <a:solidFill>
-                  <a:srgbClr val="FF6600"/>
-                </a:solidFill>
-              </a:rPr>
-              <a:t>u</a:t>
-            </a:r>
-            <a:r>
-              <a:rPr lang="zh-CN" altLang="en-US" sz="1600" dirty="0">
-                <a:solidFill>
-                  <a:srgbClr val="FF6600"/>
-                </a:solidFill>
-              </a:rPr>
-              <a:t>，</a:t>
-            </a:r>
-            <a:r>
-              <a:rPr lang="en-US" altLang="zh-CN" sz="1600" dirty="0">
-                <a:solidFill>
-                  <a:srgbClr val="FF6600"/>
-                </a:solidFill>
-              </a:rPr>
-              <a:t>v</a:t>
-            </a:r>
-            <a:r>
-              <a:rPr lang="zh-CN" altLang="en-US" sz="1600" dirty="0">
-                <a:solidFill>
-                  <a:srgbClr val="FF6600"/>
-                </a:solidFill>
-              </a:rPr>
-              <a:t>）组合，就代表它知道</a:t>
-            </a:r>
-            <a:r>
-              <a:rPr lang="en-US" altLang="zh-CN" sz="1600" dirty="0">
-                <a:solidFill>
-                  <a:srgbClr val="FF6600"/>
-                </a:solidFill>
-              </a:rPr>
-              <a:t>e</a:t>
-            </a:r>
-            <a:r>
-              <a:rPr lang="zh-CN" altLang="en-US" sz="1600" dirty="0">
-                <a:solidFill>
-                  <a:srgbClr val="FF6600"/>
-                </a:solidFill>
-              </a:rPr>
-              <a:t>，知道</a:t>
-            </a:r>
-            <a:r>
-              <a:rPr lang="en-US" altLang="zh-CN" sz="1600" dirty="0">
-                <a:solidFill>
-                  <a:srgbClr val="FF6600"/>
-                </a:solidFill>
-              </a:rPr>
-              <a:t>private</a:t>
-            </a:r>
-            <a:r>
-              <a:rPr lang="zh-CN" altLang="en-US" sz="1600" dirty="0">
-                <a:solidFill>
-                  <a:srgbClr val="FF6600"/>
-                </a:solidFill>
-              </a:rPr>
-              <a:t> </a:t>
-            </a:r>
-            <a:r>
-              <a:rPr lang="en-US" altLang="zh-CN" sz="1600" dirty="0">
-                <a:solidFill>
-                  <a:srgbClr val="FF6600"/>
-                </a:solidFill>
-              </a:rPr>
-              <a:t>key</a:t>
             </a:r>
           </a:p>
         </p:txBody>

--- a/programming bitcoin.pptx
+++ b/programming bitcoin.pptx
@@ -5593,7 +5593,7 @@
         <p:spPr>
           <a:xfrm>
             <a:off x="3143560" y="4891394"/>
-            <a:ext cx="4809995" cy="369332"/>
+            <a:ext cx="3369207" cy="646331"/>
           </a:xfrm>
           <a:prstGeom prst="rect">
             <a:avLst/>
@@ -5658,7 +5658,7 @@
         </p:nvSpPr>
         <p:spPr>
           <a:xfrm>
-            <a:off x="7299702" y="2045776"/>
+            <a:off x="7396729" y="937360"/>
             <a:ext cx="785793" cy="369332"/>
           </a:xfrm>
           <a:prstGeom prst="rect">
@@ -5684,6 +5684,36 @@
           </a:p>
         </p:txBody>
       </p:sp>
+      <p:pic>
+        <p:nvPicPr>
+          <p:cNvPr id="12" name="Picture 11">
+            <a:extLst>
+              <a:ext uri="{FF2B5EF4-FFF2-40B4-BE49-F238E27FC236}">
+                <a16:creationId xmlns:a16="http://schemas.microsoft.com/office/drawing/2014/main" id="{0BE7921D-B757-4331-F66C-F7DFB9A4EA8C}"/>
+              </a:ext>
+            </a:extLst>
+          </p:cNvPr>
+          <p:cNvPicPr>
+            <a:picLocks noChangeAspect="1"/>
+          </p:cNvPicPr>
+          <p:nvPr/>
+        </p:nvPicPr>
+        <p:blipFill>
+          <a:blip r:embed="rId2"/>
+          <a:stretch>
+            <a:fillRect/>
+          </a:stretch>
+        </p:blipFill>
+        <p:spPr>
+          <a:xfrm>
+            <a:off x="7791141" y="1807573"/>
+            <a:ext cx="3762504" cy="3351724"/>
+          </a:xfrm>
+          <a:prstGeom prst="rect">
+            <a:avLst/>
+          </a:prstGeom>
+        </p:spPr>
+      </p:pic>
     </p:spTree>
     <p:extLst>
       <p:ext uri="{BB962C8B-B14F-4D97-AF65-F5344CB8AC3E}">
@@ -7715,7 +7745,7 @@
           <a:p>
             <a:r>
               <a:rPr lang="en-US" sz="2000" b="1" dirty="0"/>
-              <a:t>Eclipse curve</a:t>
+              <a:t>Serialization </a:t>
             </a:r>
             <a:endParaRPr lang="en-CN" sz="2000" b="1" dirty="0"/>
           </a:p>

--- a/programming bitcoin.pptx
+++ b/programming bitcoin.pptx
@@ -7766,7 +7766,7 @@
         <p:spPr>
           <a:xfrm>
             <a:off x="330959" y="1027875"/>
-            <a:ext cx="3678521" cy="338554"/>
+            <a:ext cx="8542108" cy="584775"/>
           </a:xfrm>
           <a:prstGeom prst="rect">
             <a:avLst/>
@@ -7787,8 +7787,16 @@
               <a:buChar char="•"/>
             </a:pPr>
             <a:r>
-              <a:rPr lang="en-US" sz="1600" dirty="0"/>
-              <a:t>XXXX</a:t>
+              <a:rPr lang="en-US" sz="3200" dirty="0"/>
+              <a:t>Encode (</a:t>
+            </a:r>
+            <a:r>
+              <a:rPr lang="en-US" sz="3200" dirty="0" err="1"/>
+              <a:t>r,s</a:t>
+            </a:r>
+            <a:r>
+              <a:rPr lang="en-US" sz="3200" dirty="0"/>
+              <a:t>), public key for transmission purpose </a:t>
             </a:r>
           </a:p>
         </p:txBody>
